--- a/templates/template_site_plan.pptx
+++ b/templates/template_site_plan.pptx
@@ -104,6 +104,11 @@
       </a:defRPr>
     </a:lvl9pPr>
   </p:defaultTextStyle>
+  <p:extLst>
+    <p:ext uri="{EFAFB233-063F-42B5-8137-9DF3F51BA10A}">
+      <p15:sldGuideLst xmlns:p15="http://schemas.microsoft.com/office/powerpoint/2012/main"/>
+    </p:ext>
+  </p:extLst>
 </p:presentation>
 </file>
 
@@ -4636,7 +4641,7 @@
           <a:p>
             <a:fld id="{4920A08A-1310-7143-971D-1F436715CC4E}" type="datetimeFigureOut">
               <a:rPr lang="en-GB" smtClean="0"/>
-              <a:t>19/06/2018</a:t>
+              <a:t>16/08/2018</a:t>
             </a:fld>
             <a:endParaRPr lang="en-GB"/>
           </a:p>
@@ -4836,7 +4841,7 @@
           <a:p>
             <a:fld id="{4920A08A-1310-7143-971D-1F436715CC4E}" type="datetimeFigureOut">
               <a:rPr lang="en-GB" smtClean="0"/>
-              <a:t>19/06/2018</a:t>
+              <a:t>16/08/2018</a:t>
             </a:fld>
             <a:endParaRPr lang="en-GB"/>
           </a:p>
@@ -5046,7 +5051,7 @@
           <a:p>
             <a:fld id="{4920A08A-1310-7143-971D-1F436715CC4E}" type="datetimeFigureOut">
               <a:rPr lang="en-GB" smtClean="0"/>
-              <a:t>19/06/2018</a:t>
+              <a:t>16/08/2018</a:t>
             </a:fld>
             <a:endParaRPr lang="en-GB"/>
           </a:p>
@@ -5246,7 +5251,7 @@
           <a:p>
             <a:fld id="{4920A08A-1310-7143-971D-1F436715CC4E}" type="datetimeFigureOut">
               <a:rPr lang="en-GB" smtClean="0"/>
-              <a:t>19/06/2018</a:t>
+              <a:t>16/08/2018</a:t>
             </a:fld>
             <a:endParaRPr lang="en-GB"/>
           </a:p>
@@ -5522,7 +5527,7 @@
           <a:p>
             <a:fld id="{4920A08A-1310-7143-971D-1F436715CC4E}" type="datetimeFigureOut">
               <a:rPr lang="en-GB" smtClean="0"/>
-              <a:t>19/06/2018</a:t>
+              <a:t>16/08/2018</a:t>
             </a:fld>
             <a:endParaRPr lang="en-GB"/>
           </a:p>
@@ -5790,7 +5795,7 @@
           <a:p>
             <a:fld id="{4920A08A-1310-7143-971D-1F436715CC4E}" type="datetimeFigureOut">
               <a:rPr lang="en-GB" smtClean="0"/>
-              <a:t>19/06/2018</a:t>
+              <a:t>16/08/2018</a:t>
             </a:fld>
             <a:endParaRPr lang="en-GB"/>
           </a:p>
@@ -6205,7 +6210,7 @@
           <a:p>
             <a:fld id="{4920A08A-1310-7143-971D-1F436715CC4E}" type="datetimeFigureOut">
               <a:rPr lang="en-GB" smtClean="0"/>
-              <a:t>19/06/2018</a:t>
+              <a:t>16/08/2018</a:t>
             </a:fld>
             <a:endParaRPr lang="en-GB"/>
           </a:p>
@@ -6347,7 +6352,7 @@
           <a:p>
             <a:fld id="{4920A08A-1310-7143-971D-1F436715CC4E}" type="datetimeFigureOut">
               <a:rPr lang="en-GB" smtClean="0"/>
-              <a:t>19/06/2018</a:t>
+              <a:t>16/08/2018</a:t>
             </a:fld>
             <a:endParaRPr lang="en-GB"/>
           </a:p>
@@ -6460,7 +6465,7 @@
           <a:p>
             <a:fld id="{4920A08A-1310-7143-971D-1F436715CC4E}" type="datetimeFigureOut">
               <a:rPr lang="en-GB" smtClean="0"/>
-              <a:t>19/06/2018</a:t>
+              <a:t>16/08/2018</a:t>
             </a:fld>
             <a:endParaRPr lang="en-GB"/>
           </a:p>
@@ -6773,7 +6778,7 @@
           <a:p>
             <a:fld id="{4920A08A-1310-7143-971D-1F436715CC4E}" type="datetimeFigureOut">
               <a:rPr lang="en-GB" smtClean="0"/>
-              <a:t>19/06/2018</a:t>
+              <a:t>16/08/2018</a:t>
             </a:fld>
             <a:endParaRPr lang="en-GB"/>
           </a:p>
@@ -7062,7 +7067,7 @@
           <a:p>
             <a:fld id="{4920A08A-1310-7143-971D-1F436715CC4E}" type="datetimeFigureOut">
               <a:rPr lang="en-GB" smtClean="0"/>
-              <a:t>19/06/2018</a:t>
+              <a:t>16/08/2018</a:t>
             </a:fld>
             <a:endParaRPr lang="en-GB"/>
           </a:p>
@@ -7305,7 +7310,7 @@
           <a:p>
             <a:fld id="{4920A08A-1310-7143-971D-1F436715CC4E}" type="datetimeFigureOut">
               <a:rPr lang="en-GB" smtClean="0"/>
-              <a:t>19/06/2018</a:t>
+              <a:t>16/08/2018</a:t>
             </a:fld>
             <a:endParaRPr lang="en-GB"/>
           </a:p>
@@ -7825,6 +7830,41 @@
           </a:p>
         </p:txBody>
       </p:sp>
+      <p:sp>
+        <p:nvSpPr>
+          <p:cNvPr id="7" name="Title 6">
+            <a:extLst>
+              <a:ext uri="{FF2B5EF4-FFF2-40B4-BE49-F238E27FC236}">
+                <a16:creationId xmlns:a16="http://schemas.microsoft.com/office/drawing/2014/main" id="{5263082B-B3CF-C64A-9E84-57440850F59F}"/>
+              </a:ext>
+            </a:extLst>
+          </p:cNvPr>
+          <p:cNvSpPr>
+            <a:spLocks noGrp="1"/>
+          </p:cNvSpPr>
+          <p:nvPr>
+            <p:ph type="title"/>
+          </p:nvPr>
+        </p:nvSpPr>
+        <p:spPr>
+          <a:xfrm>
+            <a:off x="2217420" y="365125"/>
+            <a:ext cx="9136380" cy="549275"/>
+          </a:xfrm>
+        </p:spPr>
+        <p:txBody>
+          <a:bodyPr>
+            <a:normAutofit fontScale="90000"/>
+          </a:bodyPr>
+          <a:lstStyle/>
+          <a:p>
+            <a:r>
+              <a:rPr lang="en-GB" dirty="0"/>
+              <a:t>Title</a:t>
+            </a:r>
+          </a:p>
+        </p:txBody>
+      </p:sp>
     </p:spTree>
     <p:extLst>
       <p:ext uri="{BB962C8B-B14F-4D97-AF65-F5344CB8AC3E}">
